--- a/Home Health.pptx
+++ b/Home Health.pptx
@@ -15,9 +15,10 @@
     <p:sldId id="262" r:id="rId9"/>
     <p:sldId id="263" r:id="rId10"/>
     <p:sldId id="264" r:id="rId11"/>
-    <p:sldId id="266" r:id="rId12"/>
-    <p:sldId id="267" r:id="rId13"/>
-    <p:sldId id="268" r:id="rId14"/>
+    <p:sldId id="269" r:id="rId12"/>
+    <p:sldId id="266" r:id="rId13"/>
+    <p:sldId id="267" r:id="rId14"/>
+    <p:sldId id="268" r:id="rId15"/>
   </p:sldIdLst>
   <p:sldSz cx="12192000" cy="6858000"/>
   <p:notesSz cx="6858000" cy="9144000"/>
@@ -3543,7 +3544,7 @@
           <p:cNvPr id="2" name="Title 1">
             <a:extLst>
               <a:ext uri="{FF2B5EF4-FFF2-40B4-BE49-F238E27FC236}">
-                <a16:creationId xmlns:a16="http://schemas.microsoft.com/office/drawing/2014/main" id="{F3D48741-3FB9-4B06-9164-25C9668124E0}"/>
+                <a16:creationId xmlns:a16="http://schemas.microsoft.com/office/drawing/2014/main" id="{426B81A3-57E3-4390-9714-E0BD6A4F40BD}"/>
               </a:ext>
             </a:extLst>
           </p:cNvPr>
@@ -3559,10 +3560,7 @@
           <a:bodyPr/>
           <a:lstStyle/>
           <a:p>
-            <a:r>
-              <a:rPr lang="en-US" dirty="0"/>
-              <a:t>Patient Satisfaction</a:t>
-            </a:r>
+            <a:endParaRPr lang="en-US" dirty="0"/>
           </a:p>
         </p:txBody>
       </p:sp>
@@ -3571,7 +3569,7 @@
           <p:cNvPr id="3" name="Content Placeholder 2">
             <a:extLst>
               <a:ext uri="{FF2B5EF4-FFF2-40B4-BE49-F238E27FC236}">
-                <a16:creationId xmlns:a16="http://schemas.microsoft.com/office/drawing/2014/main" id="{71EDE9AE-53D5-41E3-81B5-ECF2C0997314}"/>
+                <a16:creationId xmlns:a16="http://schemas.microsoft.com/office/drawing/2014/main" id="{DAEF6A44-2874-41E2-8AE6-923DBEA93541}"/>
               </a:ext>
             </a:extLst>
           </p:cNvPr>
@@ -3594,7 +3592,7 @@
     </p:spTree>
     <p:extLst>
       <p:ext uri="{BB962C8B-B14F-4D97-AF65-F5344CB8AC3E}">
-        <p14:creationId xmlns:p14="http://schemas.microsoft.com/office/powerpoint/2010/main" val="2590208966"/>
+        <p14:creationId xmlns:p14="http://schemas.microsoft.com/office/powerpoint/2010/main" val="431117126"/>
       </p:ext>
     </p:extLst>
   </p:cSld>
@@ -3626,6 +3624,89 @@
           <p:cNvPr id="2" name="Title 1">
             <a:extLst>
               <a:ext uri="{FF2B5EF4-FFF2-40B4-BE49-F238E27FC236}">
+                <a16:creationId xmlns:a16="http://schemas.microsoft.com/office/drawing/2014/main" id="{F3D48741-3FB9-4B06-9164-25C9668124E0}"/>
+              </a:ext>
+            </a:extLst>
+          </p:cNvPr>
+          <p:cNvSpPr>
+            <a:spLocks noGrp="1"/>
+          </p:cNvSpPr>
+          <p:nvPr>
+            <p:ph type="title"/>
+          </p:nvPr>
+        </p:nvSpPr>
+        <p:spPr/>
+        <p:txBody>
+          <a:bodyPr/>
+          <a:lstStyle/>
+          <a:p>
+            <a:r>
+              <a:rPr lang="en-US" dirty="0"/>
+              <a:t>Patient Satisfaction</a:t>
+            </a:r>
+          </a:p>
+        </p:txBody>
+      </p:sp>
+      <p:sp>
+        <p:nvSpPr>
+          <p:cNvPr id="3" name="Content Placeholder 2">
+            <a:extLst>
+              <a:ext uri="{FF2B5EF4-FFF2-40B4-BE49-F238E27FC236}">
+                <a16:creationId xmlns:a16="http://schemas.microsoft.com/office/drawing/2014/main" id="{71EDE9AE-53D5-41E3-81B5-ECF2C0997314}"/>
+              </a:ext>
+            </a:extLst>
+          </p:cNvPr>
+          <p:cNvSpPr>
+            <a:spLocks noGrp="1"/>
+          </p:cNvSpPr>
+          <p:nvPr>
+            <p:ph idx="1"/>
+          </p:nvPr>
+        </p:nvSpPr>
+        <p:spPr/>
+        <p:txBody>
+          <a:bodyPr/>
+          <a:lstStyle/>
+          <a:p>
+            <a:endParaRPr lang="en-US"/>
+          </a:p>
+        </p:txBody>
+      </p:sp>
+    </p:spTree>
+    <p:extLst>
+      <p:ext uri="{BB962C8B-B14F-4D97-AF65-F5344CB8AC3E}">
+        <p14:creationId xmlns:p14="http://schemas.microsoft.com/office/powerpoint/2010/main" val="2590208966"/>
+      </p:ext>
+    </p:extLst>
+  </p:cSld>
+  <p:clrMapOvr>
+    <a:masterClrMapping/>
+  </p:clrMapOvr>
+</p:sld>
+</file>
+
+<file path=ppt/slides/slide13.xml><?xml version="1.0" encoding="utf-8"?>
+<p:sld xmlns:a="http://schemas.openxmlformats.org/drawingml/2006/main" xmlns:r="http://schemas.openxmlformats.org/officeDocument/2006/relationships" xmlns:p="http://schemas.openxmlformats.org/presentationml/2006/main">
+  <p:cSld>
+    <p:spTree>
+      <p:nvGrpSpPr>
+        <p:cNvPr id="1" name=""/>
+        <p:cNvGrpSpPr/>
+        <p:nvPr/>
+      </p:nvGrpSpPr>
+      <p:grpSpPr>
+        <a:xfrm>
+          <a:off x="0" y="0"/>
+          <a:ext cx="0" cy="0"/>
+          <a:chOff x="0" y="0"/>
+          <a:chExt cx="0" cy="0"/>
+        </a:xfrm>
+      </p:grpSpPr>
+      <p:sp>
+        <p:nvSpPr>
+          <p:cNvPr id="2" name="Title 1">
+            <a:extLst>
+              <a:ext uri="{FF2B5EF4-FFF2-40B4-BE49-F238E27FC236}">
                 <a16:creationId xmlns:a16="http://schemas.microsoft.com/office/drawing/2014/main" id="{CA9E0FE0-E8FC-427E-BE00-E98E4EDB250B}"/>
               </a:ext>
             </a:extLst>
@@ -3687,7 +3768,7 @@
 </p:sld>
 </file>
 
-<file path=ppt/slides/slide13.xml><?xml version="1.0" encoding="utf-8"?>
+<file path=ppt/slides/slide14.xml><?xml version="1.0" encoding="utf-8"?>
 <p:sld xmlns:a="http://schemas.openxmlformats.org/drawingml/2006/main" xmlns:r="http://schemas.openxmlformats.org/officeDocument/2006/relationships" xmlns:p="http://schemas.openxmlformats.org/presentationml/2006/main">
   <p:cSld>
     <p:spTree>
